--- a/lecture-slides/2019-11-13-oop.pptx
+++ b/lecture-slides/2019-11-13-oop.pptx
@@ -4665,6 +4665,21 @@
             <a:r>
               <a:rPr lang="en-US" sz="2000" dirty="0" err="1"/>
               <a:t>SleepFast</a:t>
+            </a:r>
+            <a:endParaRPr lang="en-US" sz="2000" dirty="0"/>
+          </a:p>
+          <a:p>
+            <a:pPr marL="457200" indent="-457200">
+              <a:buFont typeface="+mj-lt"/>
+              <a:buAutoNum type="arabicPeriod"/>
+            </a:pPr>
+            <a:r>
+              <a:rPr lang="en-US" sz="2000" dirty="0"/>
+              <a:t>Optional Final </a:t>
+            </a:r>
+            <a:r>
+              <a:rPr lang="en-US" sz="2000"/>
+              <a:t>Project Session</a:t>
             </a:r>
             <a:endParaRPr lang="en-US" sz="2000" dirty="0"/>
           </a:p>
